--- a/presentation.pptx
+++ b/presentation.pptx
@@ -5652,8 +5652,8 @@
         </p:blipFill>
         <p:spPr>
           <a:xfrm>
-            <a:off x="6172200" y="1883091"/>
-            <a:ext cx="5181600" cy="2986113"/>
+            <a:off x="5878242" y="1584511"/>
+            <a:ext cx="6074479" cy="3500672"/>
           </a:xfrm>
         </p:spPr>
       </p:pic>
